--- a/figures/figure1.pptx
+++ b/figures/figure1.pptx
@@ -7,6 +7,7 @@
   <p:sldIdLst>
     <p:sldId id="256" r:id="rId2"/>
     <p:sldId id="257" r:id="rId3"/>
+    <p:sldId id="258" r:id="rId4"/>
   </p:sldIdLst>
   <p:sldSz cx="12192000" cy="6858000"/>
   <p:notesSz cx="6858000" cy="9144000"/>
@@ -260,7 +261,7 @@
           <a:p>
             <a:fld id="{F7F79345-709F-4149-9277-0486DBFABD93}" type="datetimeFigureOut">
               <a:rPr kumimoji="1" lang="zh-TW" altLang="en-US" smtClean="0"/>
-              <a:t>2021/12/22</a:t>
+              <a:t>2022/1/3</a:t>
             </a:fld>
             <a:endParaRPr kumimoji="1" lang="zh-TW" altLang="en-US"/>
           </a:p>
@@ -458,7 +459,7 @@
           <a:p>
             <a:fld id="{F7F79345-709F-4149-9277-0486DBFABD93}" type="datetimeFigureOut">
               <a:rPr kumimoji="1" lang="zh-TW" altLang="en-US" smtClean="0"/>
-              <a:t>2021/12/22</a:t>
+              <a:t>2022/1/3</a:t>
             </a:fld>
             <a:endParaRPr kumimoji="1" lang="zh-TW" altLang="en-US"/>
           </a:p>
@@ -666,7 +667,7 @@
           <a:p>
             <a:fld id="{F7F79345-709F-4149-9277-0486DBFABD93}" type="datetimeFigureOut">
               <a:rPr kumimoji="1" lang="zh-TW" altLang="en-US" smtClean="0"/>
-              <a:t>2021/12/22</a:t>
+              <a:t>2022/1/3</a:t>
             </a:fld>
             <a:endParaRPr kumimoji="1" lang="zh-TW" altLang="en-US"/>
           </a:p>
@@ -864,7 +865,7 @@
           <a:p>
             <a:fld id="{F7F79345-709F-4149-9277-0486DBFABD93}" type="datetimeFigureOut">
               <a:rPr kumimoji="1" lang="zh-TW" altLang="en-US" smtClean="0"/>
-              <a:t>2021/12/22</a:t>
+              <a:t>2022/1/3</a:t>
             </a:fld>
             <a:endParaRPr kumimoji="1" lang="zh-TW" altLang="en-US"/>
           </a:p>
@@ -1139,7 +1140,7 @@
           <a:p>
             <a:fld id="{F7F79345-709F-4149-9277-0486DBFABD93}" type="datetimeFigureOut">
               <a:rPr kumimoji="1" lang="zh-TW" altLang="en-US" smtClean="0"/>
-              <a:t>2021/12/22</a:t>
+              <a:t>2022/1/3</a:t>
             </a:fld>
             <a:endParaRPr kumimoji="1" lang="zh-TW" altLang="en-US"/>
           </a:p>
@@ -1404,7 +1405,7 @@
           <a:p>
             <a:fld id="{F7F79345-709F-4149-9277-0486DBFABD93}" type="datetimeFigureOut">
               <a:rPr kumimoji="1" lang="zh-TW" altLang="en-US" smtClean="0"/>
-              <a:t>2021/12/22</a:t>
+              <a:t>2022/1/3</a:t>
             </a:fld>
             <a:endParaRPr kumimoji="1" lang="zh-TW" altLang="en-US"/>
           </a:p>
@@ -1816,7 +1817,7 @@
           <a:p>
             <a:fld id="{F7F79345-709F-4149-9277-0486DBFABD93}" type="datetimeFigureOut">
               <a:rPr kumimoji="1" lang="zh-TW" altLang="en-US" smtClean="0"/>
-              <a:t>2021/12/22</a:t>
+              <a:t>2022/1/3</a:t>
             </a:fld>
             <a:endParaRPr kumimoji="1" lang="zh-TW" altLang="en-US"/>
           </a:p>
@@ -1957,7 +1958,7 @@
           <a:p>
             <a:fld id="{F7F79345-709F-4149-9277-0486DBFABD93}" type="datetimeFigureOut">
               <a:rPr kumimoji="1" lang="zh-TW" altLang="en-US" smtClean="0"/>
-              <a:t>2021/12/22</a:t>
+              <a:t>2022/1/3</a:t>
             </a:fld>
             <a:endParaRPr kumimoji="1" lang="zh-TW" altLang="en-US"/>
           </a:p>
@@ -2070,7 +2071,7 @@
           <a:p>
             <a:fld id="{F7F79345-709F-4149-9277-0486DBFABD93}" type="datetimeFigureOut">
               <a:rPr kumimoji="1" lang="zh-TW" altLang="en-US" smtClean="0"/>
-              <a:t>2021/12/22</a:t>
+              <a:t>2022/1/3</a:t>
             </a:fld>
             <a:endParaRPr kumimoji="1" lang="zh-TW" altLang="en-US"/>
           </a:p>
@@ -2381,7 +2382,7 @@
           <a:p>
             <a:fld id="{F7F79345-709F-4149-9277-0486DBFABD93}" type="datetimeFigureOut">
               <a:rPr kumimoji="1" lang="zh-TW" altLang="en-US" smtClean="0"/>
-              <a:t>2021/12/22</a:t>
+              <a:t>2022/1/3</a:t>
             </a:fld>
             <a:endParaRPr kumimoji="1" lang="zh-TW" altLang="en-US"/>
           </a:p>
@@ -2669,7 +2670,7 @@
           <a:p>
             <a:fld id="{F7F79345-709F-4149-9277-0486DBFABD93}" type="datetimeFigureOut">
               <a:rPr kumimoji="1" lang="zh-TW" altLang="en-US" smtClean="0"/>
-              <a:t>2021/12/22</a:t>
+              <a:t>2022/1/3</a:t>
             </a:fld>
             <a:endParaRPr kumimoji="1" lang="zh-TW" altLang="en-US"/>
           </a:p>
@@ -2910,7 +2911,7 @@
           <a:p>
             <a:fld id="{F7F79345-709F-4149-9277-0486DBFABD93}" type="datetimeFigureOut">
               <a:rPr kumimoji="1" lang="zh-TW" altLang="en-US" smtClean="0"/>
-              <a:t>2021/12/22</a:t>
+              <a:t>2022/1/3</a:t>
             </a:fld>
             <a:endParaRPr kumimoji="1" lang="zh-TW" altLang="en-US"/>
           </a:p>
@@ -6519,6 +6520,399 @@
 </p:sld>
 </file>
 
+<file path=ppt/slides/slide3.xml><?xml version="1.0" encoding="utf-8"?>
+<p:sld xmlns:a="http://schemas.openxmlformats.org/drawingml/2006/main" xmlns:r="http://schemas.openxmlformats.org/officeDocument/2006/relationships" xmlns:p="http://schemas.openxmlformats.org/presentationml/2006/main">
+  <p:cSld>
+    <p:spTree>
+      <p:nvGrpSpPr>
+        <p:cNvPr id="1" name=""/>
+        <p:cNvGrpSpPr/>
+        <p:nvPr/>
+      </p:nvGrpSpPr>
+      <p:grpSpPr>
+        <a:xfrm>
+          <a:off x="0" y="0"/>
+          <a:ext cx="0" cy="0"/>
+          <a:chOff x="0" y="0"/>
+          <a:chExt cx="0" cy="0"/>
+        </a:xfrm>
+      </p:grpSpPr>
+      <p:pic>
+        <p:nvPicPr>
+          <p:cNvPr id="62" name="Picture 61" descr="Shape&#10;&#10;Description automatically generated">
+            <a:extLst>
+              <a:ext uri="{FF2B5EF4-FFF2-40B4-BE49-F238E27FC236}">
+                <a16:creationId xmlns:a16="http://schemas.microsoft.com/office/drawing/2014/main" id="{6A20E4BD-3D53-C543-B71C-18549272B6E4}"/>
+              </a:ext>
+            </a:extLst>
+          </p:cNvPr>
+          <p:cNvPicPr>
+            <a:picLocks noChangeAspect="1"/>
+          </p:cNvPicPr>
+          <p:nvPr/>
+        </p:nvPicPr>
+        <p:blipFill>
+          <a:blip r:embed="rId2"/>
+          <a:stretch>
+            <a:fillRect/>
+          </a:stretch>
+        </p:blipFill>
+        <p:spPr>
+          <a:xfrm>
+            <a:off x="1268487" y="190918"/>
+            <a:ext cx="6104729" cy="6481187"/>
+          </a:xfrm>
+          <a:prstGeom prst="rect">
+            <a:avLst/>
+          </a:prstGeom>
+        </p:spPr>
+      </p:pic>
+      <p:sp>
+        <p:nvSpPr>
+          <p:cNvPr id="63" name="TextBox 62">
+            <a:extLst>
+              <a:ext uri="{FF2B5EF4-FFF2-40B4-BE49-F238E27FC236}">
+                <a16:creationId xmlns:a16="http://schemas.microsoft.com/office/drawing/2014/main" id="{E9906064-EE1C-D549-AF10-8D972891800F}"/>
+              </a:ext>
+            </a:extLst>
+          </p:cNvPr>
+          <p:cNvSpPr txBox="1"/>
+          <p:nvPr/>
+        </p:nvSpPr>
+        <p:spPr>
+          <a:xfrm rot="446519">
+            <a:off x="5428025" y="3593382"/>
+            <a:ext cx="1235470" cy="338554"/>
+          </a:xfrm>
+          <a:prstGeom prst="rect">
+            <a:avLst/>
+          </a:prstGeom>
+          <a:noFill/>
+        </p:spPr>
+        <p:txBody>
+          <a:bodyPr wrap="square" rtlCol="0">
+            <a:spAutoFit/>
+          </a:bodyPr>
+          <a:lstStyle/>
+          <a:p>
+            <a:r>
+              <a:rPr lang="en-US" sz="1600" b="1" dirty="0" err="1">
+                <a:latin typeface="SimSong" panose="02020300000000000000" pitchFamily="18" charset="-122"/>
+                <a:ea typeface="SimSong" panose="02020300000000000000" pitchFamily="18" charset="-122"/>
+              </a:rPr>
+              <a:t>中央指令</a:t>
+            </a:r>
+            <a:endParaRPr lang="en-US" sz="1600" b="1" dirty="0">
+              <a:latin typeface="SimSong" panose="02020300000000000000" pitchFamily="18" charset="-122"/>
+              <a:ea typeface="SimSong" panose="02020300000000000000" pitchFamily="18" charset="-122"/>
+            </a:endParaRPr>
+          </a:p>
+        </p:txBody>
+      </p:sp>
+      <p:sp>
+        <p:nvSpPr>
+          <p:cNvPr id="64" name="TextBox 63">
+            <a:extLst>
+              <a:ext uri="{FF2B5EF4-FFF2-40B4-BE49-F238E27FC236}">
+                <a16:creationId xmlns:a16="http://schemas.microsoft.com/office/drawing/2014/main" id="{D22052C2-D0AB-6F49-8F55-E37366034A76}"/>
+              </a:ext>
+            </a:extLst>
+          </p:cNvPr>
+          <p:cNvSpPr txBox="1"/>
+          <p:nvPr/>
+        </p:nvSpPr>
+        <p:spPr>
+          <a:xfrm rot="16200000">
+            <a:off x="3872393" y="5014838"/>
+            <a:ext cx="1235470" cy="338554"/>
+          </a:xfrm>
+          <a:prstGeom prst="rect">
+            <a:avLst/>
+          </a:prstGeom>
+          <a:noFill/>
+        </p:spPr>
+        <p:txBody>
+          <a:bodyPr wrap="square" rtlCol="0">
+            <a:spAutoFit/>
+          </a:bodyPr>
+          <a:lstStyle/>
+          <a:p>
+            <a:r>
+              <a:rPr lang="en-US" sz="1600" b="1" dirty="0" err="1">
+                <a:latin typeface="SimSong" panose="02020300000000000000" pitchFamily="18" charset="-122"/>
+                <a:ea typeface="SimSong" panose="02020300000000000000" pitchFamily="18" charset="-122"/>
+              </a:rPr>
+              <a:t>权威话语</a:t>
+            </a:r>
+            <a:endParaRPr lang="en-US" sz="1600" b="1" dirty="0">
+              <a:latin typeface="SimSong" panose="02020300000000000000" pitchFamily="18" charset="-122"/>
+              <a:ea typeface="SimSong" panose="02020300000000000000" pitchFamily="18" charset="-122"/>
+            </a:endParaRPr>
+          </a:p>
+        </p:txBody>
+      </p:sp>
+      <p:sp>
+        <p:nvSpPr>
+          <p:cNvPr id="65" name="TextBox 64">
+            <a:extLst>
+              <a:ext uri="{FF2B5EF4-FFF2-40B4-BE49-F238E27FC236}">
+                <a16:creationId xmlns:a16="http://schemas.microsoft.com/office/drawing/2014/main" id="{AF83035A-2770-7345-90FA-4639255C2811}"/>
+              </a:ext>
+            </a:extLst>
+          </p:cNvPr>
+          <p:cNvSpPr txBox="1"/>
+          <p:nvPr/>
+        </p:nvSpPr>
+        <p:spPr>
+          <a:xfrm rot="19113006">
+            <a:off x="3293693" y="3790898"/>
+            <a:ext cx="1235470" cy="338554"/>
+          </a:xfrm>
+          <a:prstGeom prst="rect">
+            <a:avLst/>
+          </a:prstGeom>
+          <a:noFill/>
+        </p:spPr>
+        <p:txBody>
+          <a:bodyPr wrap="square" rtlCol="0">
+            <a:spAutoFit/>
+          </a:bodyPr>
+          <a:lstStyle/>
+          <a:p>
+            <a:r>
+              <a:rPr lang="en-US" sz="1600" b="1" dirty="0" err="1">
+                <a:latin typeface="SimSong" panose="02020300000000000000" pitchFamily="18" charset="-122"/>
+                <a:ea typeface="SimSong" panose="02020300000000000000" pitchFamily="18" charset="-122"/>
+              </a:rPr>
+              <a:t>地方灵活性</a:t>
+            </a:r>
+            <a:endParaRPr lang="en-US" sz="1600" b="1" dirty="0">
+              <a:latin typeface="SimSong" panose="02020300000000000000" pitchFamily="18" charset="-122"/>
+              <a:ea typeface="SimSong" panose="02020300000000000000" pitchFamily="18" charset="-122"/>
+            </a:endParaRPr>
+          </a:p>
+        </p:txBody>
+      </p:sp>
+      <p:sp>
+        <p:nvSpPr>
+          <p:cNvPr id="66" name="TextBox 65">
+            <a:extLst>
+              <a:ext uri="{FF2B5EF4-FFF2-40B4-BE49-F238E27FC236}">
+                <a16:creationId xmlns:a16="http://schemas.microsoft.com/office/drawing/2014/main" id="{C9E5BAE6-80EB-8942-89C5-235B605BF2DE}"/>
+              </a:ext>
+            </a:extLst>
+          </p:cNvPr>
+          <p:cNvSpPr txBox="1"/>
+          <p:nvPr/>
+        </p:nvSpPr>
+        <p:spPr>
+          <a:xfrm>
+            <a:off x="8127870" y="3147378"/>
+            <a:ext cx="4064130" cy="2123658"/>
+          </a:xfrm>
+          <a:prstGeom prst="rect">
+            <a:avLst/>
+          </a:prstGeom>
+          <a:noFill/>
+        </p:spPr>
+        <p:txBody>
+          <a:bodyPr wrap="square" rtlCol="0">
+            <a:spAutoFit/>
+          </a:bodyPr>
+          <a:lstStyle/>
+          <a:p>
+            <a:r>
+              <a:rPr lang="en-US" sz="1200" b="1" dirty="0">
+                <a:latin typeface="SimSong" panose="02020300000000000000" pitchFamily="18" charset="-122"/>
+                <a:ea typeface="SimSong" panose="02020300000000000000" pitchFamily="18" charset="-122"/>
+              </a:rPr>
+              <a:t>I</a:t>
+            </a:r>
+            <a:r>
+              <a:rPr lang="zh-CN" altLang="en-US" sz="1200" b="1" dirty="0">
+                <a:latin typeface="SimSong" panose="02020300000000000000" pitchFamily="18" charset="-122"/>
+                <a:ea typeface="SimSong" panose="02020300000000000000" pitchFamily="18" charset="-122"/>
+              </a:rPr>
+              <a:t>   中央指令强、地方灵活性强、权威话语强：桂林</a:t>
+            </a:r>
+            <a:endParaRPr lang="en-US" altLang="zh-CN" sz="1200" b="1" dirty="0">
+              <a:latin typeface="SimSong" panose="02020300000000000000" pitchFamily="18" charset="-122"/>
+              <a:ea typeface="SimSong" panose="02020300000000000000" pitchFamily="18" charset="-122"/>
+            </a:endParaRPr>
+          </a:p>
+          <a:p>
+            <a:r>
+              <a:rPr lang="en-US" altLang="zh-CN" sz="1200" b="1" dirty="0">
+                <a:latin typeface="SimSong" panose="02020300000000000000" pitchFamily="18" charset="-122"/>
+                <a:ea typeface="SimSong" panose="02020300000000000000" pitchFamily="18" charset="-122"/>
+              </a:rPr>
+              <a:t>II</a:t>
+            </a:r>
+            <a:r>
+              <a:rPr lang="zh-CN" altLang="en-US" sz="1200" b="1" dirty="0">
+                <a:latin typeface="SimSong" panose="02020300000000000000" pitchFamily="18" charset="-122"/>
+                <a:ea typeface="SimSong" panose="02020300000000000000" pitchFamily="18" charset="-122"/>
+              </a:rPr>
+              <a:t>  中央指令弱、地方灵活性强、权威话语强：苏州</a:t>
+            </a:r>
+            <a:endParaRPr lang="en-US" altLang="zh-CN" sz="1200" b="1" dirty="0">
+              <a:latin typeface="SimSong" panose="02020300000000000000" pitchFamily="18" charset="-122"/>
+              <a:ea typeface="SimSong" panose="02020300000000000000" pitchFamily="18" charset="-122"/>
+            </a:endParaRPr>
+          </a:p>
+          <a:p>
+            <a:r>
+              <a:rPr lang="en-US" altLang="zh-CN" sz="1200" b="1" dirty="0">
+                <a:latin typeface="SimSong" panose="02020300000000000000" pitchFamily="18" charset="-122"/>
+                <a:ea typeface="SimSong" panose="02020300000000000000" pitchFamily="18" charset="-122"/>
+              </a:rPr>
+              <a:t>III</a:t>
+            </a:r>
+            <a:r>
+              <a:rPr lang="zh-CN" altLang="en-US" sz="1200" b="1" dirty="0">
+                <a:latin typeface="SimSong" panose="02020300000000000000" pitchFamily="18" charset="-122"/>
+                <a:ea typeface="SimSong" panose="02020300000000000000" pitchFamily="18" charset="-122"/>
+              </a:rPr>
+              <a:t> 中央指令弱、地方灵活性弱、权威话语强：内乡</a:t>
+            </a:r>
+            <a:endParaRPr lang="en-US" altLang="zh-CN" sz="1200" b="1" dirty="0">
+              <a:latin typeface="SimSong" panose="02020300000000000000" pitchFamily="18" charset="-122"/>
+              <a:ea typeface="SimSong" panose="02020300000000000000" pitchFamily="18" charset="-122"/>
+            </a:endParaRPr>
+          </a:p>
+          <a:p>
+            <a:r>
+              <a:rPr lang="en-US" altLang="zh-CN" sz="1200" b="1" dirty="0">
+                <a:latin typeface="SimSong" panose="02020300000000000000" pitchFamily="18" charset="-122"/>
+                <a:ea typeface="SimSong" panose="02020300000000000000" pitchFamily="18" charset="-122"/>
+              </a:rPr>
+              <a:t>IV</a:t>
+            </a:r>
+            <a:r>
+              <a:rPr lang="zh-CN" altLang="en-US" sz="1200" b="1" dirty="0">
+                <a:latin typeface="SimSong" panose="02020300000000000000" pitchFamily="18" charset="-122"/>
+                <a:ea typeface="SimSong" panose="02020300000000000000" pitchFamily="18" charset="-122"/>
+              </a:rPr>
+              <a:t>  中央指令强、地方灵活性弱、权威话语强：郴州</a:t>
+            </a:r>
+            <a:endParaRPr lang="en-US" altLang="zh-CN" sz="1200" b="1" dirty="0">
+              <a:latin typeface="SimSong" panose="02020300000000000000" pitchFamily="18" charset="-122"/>
+              <a:ea typeface="SimSong" panose="02020300000000000000" pitchFamily="18" charset="-122"/>
+            </a:endParaRPr>
+          </a:p>
+          <a:p>
+            <a:r>
+              <a:rPr lang="en-US" altLang="zh-CN" sz="1200" b="1" dirty="0">
+                <a:latin typeface="SimSong" panose="02020300000000000000" pitchFamily="18" charset="-122"/>
+                <a:ea typeface="SimSong" panose="02020300000000000000" pitchFamily="18" charset="-122"/>
+              </a:rPr>
+              <a:t>V</a:t>
+            </a:r>
+            <a:r>
+              <a:rPr lang="zh-CN" altLang="en-US" sz="1200" b="1" dirty="0">
+                <a:latin typeface="SimSong" panose="02020300000000000000" pitchFamily="18" charset="-122"/>
+                <a:ea typeface="SimSong" panose="02020300000000000000" pitchFamily="18" charset="-122"/>
+              </a:rPr>
+              <a:t>   中央指令强、地方灵活性强、权威话语弱：深圳</a:t>
+            </a:r>
+            <a:endParaRPr lang="en-US" altLang="zh-CN" sz="1200" b="1" dirty="0">
+              <a:latin typeface="SimSong" panose="02020300000000000000" pitchFamily="18" charset="-122"/>
+              <a:ea typeface="SimSong" panose="02020300000000000000" pitchFamily="18" charset="-122"/>
+            </a:endParaRPr>
+          </a:p>
+          <a:p>
+            <a:r>
+              <a:rPr lang="en-US" altLang="zh-CN" sz="1200" b="1" dirty="0">
+                <a:latin typeface="SimSong" panose="02020300000000000000" pitchFamily="18" charset="-122"/>
+                <a:ea typeface="SimSong" panose="02020300000000000000" pitchFamily="18" charset="-122"/>
+              </a:rPr>
+              <a:t>VI  </a:t>
+            </a:r>
+            <a:r>
+              <a:rPr lang="zh-CN" altLang="en-US" sz="1200" b="1" dirty="0">
+                <a:latin typeface="SimSong" panose="02020300000000000000" pitchFamily="18" charset="-122"/>
+                <a:ea typeface="SimSong" panose="02020300000000000000" pitchFamily="18" charset="-122"/>
+              </a:rPr>
+              <a:t>中央指令弱、地方灵活性强、权威话语弱：上海</a:t>
+            </a:r>
+            <a:endParaRPr lang="en-US" altLang="zh-CN" sz="1200" b="1" dirty="0">
+              <a:latin typeface="SimSong" panose="02020300000000000000" pitchFamily="18" charset="-122"/>
+              <a:ea typeface="SimSong" panose="02020300000000000000" pitchFamily="18" charset="-122"/>
+            </a:endParaRPr>
+          </a:p>
+          <a:p>
+            <a:r>
+              <a:rPr lang="en-US" altLang="zh-CN" sz="1200" b="1" dirty="0">
+                <a:latin typeface="SimSong" panose="02020300000000000000" pitchFamily="18" charset="-122"/>
+                <a:ea typeface="SimSong" panose="02020300000000000000" pitchFamily="18" charset="-122"/>
+              </a:rPr>
+              <a:t>VII</a:t>
+            </a:r>
+            <a:r>
+              <a:rPr lang="zh-CN" altLang="en-US" sz="1200" b="1" dirty="0">
+                <a:latin typeface="SimSong" panose="02020300000000000000" pitchFamily="18" charset="-122"/>
+                <a:ea typeface="SimSong" panose="02020300000000000000" pitchFamily="18" charset="-122"/>
+              </a:rPr>
+              <a:t> 中央指令弱、地方灵活性强、权威话语弱：很多地方</a:t>
+            </a:r>
+            <a:endParaRPr lang="en-US" altLang="zh-CN" sz="1200" b="1" dirty="0">
+              <a:latin typeface="SimSong" panose="02020300000000000000" pitchFamily="18" charset="-122"/>
+              <a:ea typeface="SimSong" panose="02020300000000000000" pitchFamily="18" charset="-122"/>
+            </a:endParaRPr>
+          </a:p>
+          <a:p>
+            <a:r>
+              <a:rPr lang="en-US" altLang="zh-CN" sz="1200" b="1" dirty="0">
+                <a:latin typeface="SimSong" panose="02020300000000000000" pitchFamily="18" charset="-122"/>
+                <a:ea typeface="SimSong" panose="02020300000000000000" pitchFamily="18" charset="-122"/>
+              </a:rPr>
+              <a:t>VIII</a:t>
+            </a:r>
+            <a:r>
+              <a:rPr lang="zh-CN" altLang="en-US" sz="1200" b="1" dirty="0">
+                <a:latin typeface="SimSong" panose="02020300000000000000" pitchFamily="18" charset="-122"/>
+                <a:ea typeface="SimSong" panose="02020300000000000000" pitchFamily="18" charset="-122"/>
+              </a:rPr>
+              <a:t>中央指令强、地方灵活性弱、权威话语弱：承德</a:t>
+            </a:r>
+            <a:endParaRPr lang="en-US" altLang="zh-CN" sz="1200" b="1" dirty="0">
+              <a:latin typeface="SimSong" panose="02020300000000000000" pitchFamily="18" charset="-122"/>
+              <a:ea typeface="SimSong" panose="02020300000000000000" pitchFamily="18" charset="-122"/>
+            </a:endParaRPr>
+          </a:p>
+          <a:p>
+            <a:endParaRPr lang="en-US" altLang="zh-CN" sz="1200" b="1" dirty="0">
+              <a:latin typeface="SimSong" panose="02020300000000000000" pitchFamily="18" charset="-122"/>
+              <a:ea typeface="SimSong" panose="02020300000000000000" pitchFamily="18" charset="-122"/>
+            </a:endParaRPr>
+          </a:p>
+          <a:p>
+            <a:endParaRPr lang="en-US" altLang="zh-CN" sz="1200" b="1" dirty="0">
+              <a:latin typeface="SimSong" panose="02020300000000000000" pitchFamily="18" charset="-122"/>
+              <a:ea typeface="SimSong" panose="02020300000000000000" pitchFamily="18" charset="-122"/>
+            </a:endParaRPr>
+          </a:p>
+          <a:p>
+            <a:endParaRPr lang="en-US" sz="1200" b="1" dirty="0">
+              <a:latin typeface="SimSong" panose="02020300000000000000" pitchFamily="18" charset="-122"/>
+              <a:ea typeface="SimSong" panose="02020300000000000000" pitchFamily="18" charset="-122"/>
+            </a:endParaRPr>
+          </a:p>
+        </p:txBody>
+      </p:sp>
+    </p:spTree>
+    <p:extLst>
+      <p:ext uri="{BB962C8B-B14F-4D97-AF65-F5344CB8AC3E}">
+        <p14:creationId xmlns:p14="http://schemas.microsoft.com/office/powerpoint/2010/main" val="3264830843"/>
+      </p:ext>
+    </p:extLst>
+  </p:cSld>
+  <p:clrMapOvr>
+    <a:masterClrMapping/>
+  </p:clrMapOvr>
+</p:sld>
+</file>
+
 <file path=ppt/theme/theme1.xml><?xml version="1.0" encoding="utf-8"?>
 <a:theme xmlns:a="http://schemas.openxmlformats.org/drawingml/2006/main" name="Office 佈景主題">
   <a:themeElements>

--- a/figures/figure1.pptx
+++ b/figures/figure1.pptx
@@ -261,7 +261,7 @@
           <a:p>
             <a:fld id="{F7F79345-709F-4149-9277-0486DBFABD93}" type="datetimeFigureOut">
               <a:rPr kumimoji="1" lang="zh-TW" altLang="en-US" smtClean="0"/>
-              <a:t>2022/1/3</a:t>
+              <a:t>2022/1/9</a:t>
             </a:fld>
             <a:endParaRPr kumimoji="1" lang="zh-TW" altLang="en-US"/>
           </a:p>
@@ -459,7 +459,7 @@
           <a:p>
             <a:fld id="{F7F79345-709F-4149-9277-0486DBFABD93}" type="datetimeFigureOut">
               <a:rPr kumimoji="1" lang="zh-TW" altLang="en-US" smtClean="0"/>
-              <a:t>2022/1/3</a:t>
+              <a:t>2022/1/9</a:t>
             </a:fld>
             <a:endParaRPr kumimoji="1" lang="zh-TW" altLang="en-US"/>
           </a:p>
@@ -667,7 +667,7 @@
           <a:p>
             <a:fld id="{F7F79345-709F-4149-9277-0486DBFABD93}" type="datetimeFigureOut">
               <a:rPr kumimoji="1" lang="zh-TW" altLang="en-US" smtClean="0"/>
-              <a:t>2022/1/3</a:t>
+              <a:t>2022/1/9</a:t>
             </a:fld>
             <a:endParaRPr kumimoji="1" lang="zh-TW" altLang="en-US"/>
           </a:p>
@@ -865,7 +865,7 @@
           <a:p>
             <a:fld id="{F7F79345-709F-4149-9277-0486DBFABD93}" type="datetimeFigureOut">
               <a:rPr kumimoji="1" lang="zh-TW" altLang="en-US" smtClean="0"/>
-              <a:t>2022/1/3</a:t>
+              <a:t>2022/1/9</a:t>
             </a:fld>
             <a:endParaRPr kumimoji="1" lang="zh-TW" altLang="en-US"/>
           </a:p>
@@ -1140,7 +1140,7 @@
           <a:p>
             <a:fld id="{F7F79345-709F-4149-9277-0486DBFABD93}" type="datetimeFigureOut">
               <a:rPr kumimoji="1" lang="zh-TW" altLang="en-US" smtClean="0"/>
-              <a:t>2022/1/3</a:t>
+              <a:t>2022/1/9</a:t>
             </a:fld>
             <a:endParaRPr kumimoji="1" lang="zh-TW" altLang="en-US"/>
           </a:p>
@@ -1405,7 +1405,7 @@
           <a:p>
             <a:fld id="{F7F79345-709F-4149-9277-0486DBFABD93}" type="datetimeFigureOut">
               <a:rPr kumimoji="1" lang="zh-TW" altLang="en-US" smtClean="0"/>
-              <a:t>2022/1/3</a:t>
+              <a:t>2022/1/9</a:t>
             </a:fld>
             <a:endParaRPr kumimoji="1" lang="zh-TW" altLang="en-US"/>
           </a:p>
@@ -1817,7 +1817,7 @@
           <a:p>
             <a:fld id="{F7F79345-709F-4149-9277-0486DBFABD93}" type="datetimeFigureOut">
               <a:rPr kumimoji="1" lang="zh-TW" altLang="en-US" smtClean="0"/>
-              <a:t>2022/1/3</a:t>
+              <a:t>2022/1/9</a:t>
             </a:fld>
             <a:endParaRPr kumimoji="1" lang="zh-TW" altLang="en-US"/>
           </a:p>
@@ -1958,7 +1958,7 @@
           <a:p>
             <a:fld id="{F7F79345-709F-4149-9277-0486DBFABD93}" type="datetimeFigureOut">
               <a:rPr kumimoji="1" lang="zh-TW" altLang="en-US" smtClean="0"/>
-              <a:t>2022/1/3</a:t>
+              <a:t>2022/1/9</a:t>
             </a:fld>
             <a:endParaRPr kumimoji="1" lang="zh-TW" altLang="en-US"/>
           </a:p>
@@ -2071,7 +2071,7 @@
           <a:p>
             <a:fld id="{F7F79345-709F-4149-9277-0486DBFABD93}" type="datetimeFigureOut">
               <a:rPr kumimoji="1" lang="zh-TW" altLang="en-US" smtClean="0"/>
-              <a:t>2022/1/3</a:t>
+              <a:t>2022/1/9</a:t>
             </a:fld>
             <a:endParaRPr kumimoji="1" lang="zh-TW" altLang="en-US"/>
           </a:p>
@@ -2382,7 +2382,7 @@
           <a:p>
             <a:fld id="{F7F79345-709F-4149-9277-0486DBFABD93}" type="datetimeFigureOut">
               <a:rPr kumimoji="1" lang="zh-TW" altLang="en-US" smtClean="0"/>
-              <a:t>2022/1/3</a:t>
+              <a:t>2022/1/9</a:t>
             </a:fld>
             <a:endParaRPr kumimoji="1" lang="zh-TW" altLang="en-US"/>
           </a:p>
@@ -2670,7 +2670,7 @@
           <a:p>
             <a:fld id="{F7F79345-709F-4149-9277-0486DBFABD93}" type="datetimeFigureOut">
               <a:rPr kumimoji="1" lang="zh-TW" altLang="en-US" smtClean="0"/>
-              <a:t>2022/1/3</a:t>
+              <a:t>2022/1/9</a:t>
             </a:fld>
             <a:endParaRPr kumimoji="1" lang="zh-TW" altLang="en-US"/>
           </a:p>
@@ -2911,7 +2911,7 @@
           <a:p>
             <a:fld id="{F7F79345-709F-4149-9277-0486DBFABD93}" type="datetimeFigureOut">
               <a:rPr kumimoji="1" lang="zh-TW" altLang="en-US" smtClean="0"/>
-              <a:t>2022/1/3</a:t>
+              <a:t>2022/1/9</a:t>
             </a:fld>
             <a:endParaRPr kumimoji="1" lang="zh-TW" altLang="en-US"/>
           </a:p>
@@ -6537,42 +6537,189 @@
           <a:chExt cx="0" cy="0"/>
         </a:xfrm>
       </p:grpSpPr>
-      <p:pic>
-        <p:nvPicPr>
-          <p:cNvPr id="62" name="Picture 61" descr="Shape&#10;&#10;Description automatically generated">
-            <a:extLst>
-              <a:ext uri="{FF2B5EF4-FFF2-40B4-BE49-F238E27FC236}">
-                <a16:creationId xmlns:a16="http://schemas.microsoft.com/office/drawing/2014/main" id="{6A20E4BD-3D53-C543-B71C-18549272B6E4}"/>
-              </a:ext>
-            </a:extLst>
-          </p:cNvPr>
-          <p:cNvPicPr>
-            <a:picLocks noChangeAspect="1"/>
-          </p:cNvPicPr>
+      <p:grpSp>
+        <p:nvGrpSpPr>
+          <p:cNvPr id="3" name="Group 2">
+            <a:extLst>
+              <a:ext uri="{FF2B5EF4-FFF2-40B4-BE49-F238E27FC236}">
+                <a16:creationId xmlns:a16="http://schemas.microsoft.com/office/drawing/2014/main" id="{16D19196-61CB-C94E-B8B6-A6B31F5C1F16}"/>
+              </a:ext>
+            </a:extLst>
+          </p:cNvPr>
+          <p:cNvGrpSpPr/>
           <p:nvPr/>
-        </p:nvPicPr>
-        <p:blipFill>
-          <a:blip r:embed="rId2"/>
-          <a:stretch>
-            <a:fillRect/>
-          </a:stretch>
-        </p:blipFill>
-        <p:spPr>
+        </p:nvGrpSpPr>
+        <p:grpSpPr>
           <a:xfrm>
             <a:off x="1268487" y="190918"/>
             <a:ext cx="6104729" cy="6481187"/>
+            <a:chOff x="1268487" y="190918"/>
+            <a:chExt cx="6104729" cy="6481187"/>
           </a:xfrm>
-          <a:prstGeom prst="rect">
-            <a:avLst/>
-          </a:prstGeom>
-        </p:spPr>
-      </p:pic>
-      <p:sp>
-        <p:nvSpPr>
-          <p:cNvPr id="63" name="TextBox 62">
-            <a:extLst>
-              <a:ext uri="{FF2B5EF4-FFF2-40B4-BE49-F238E27FC236}">
-                <a16:creationId xmlns:a16="http://schemas.microsoft.com/office/drawing/2014/main" id="{E9906064-EE1C-D549-AF10-8D972891800F}"/>
+        </p:grpSpPr>
+        <p:pic>
+          <p:nvPicPr>
+            <p:cNvPr id="62" name="Picture 61" descr="Shape&#10;&#10;Description automatically generated">
+              <a:extLst>
+                <a:ext uri="{FF2B5EF4-FFF2-40B4-BE49-F238E27FC236}">
+                  <a16:creationId xmlns:a16="http://schemas.microsoft.com/office/drawing/2014/main" id="{6A20E4BD-3D53-C543-B71C-18549272B6E4}"/>
+                </a:ext>
+              </a:extLst>
+            </p:cNvPr>
+            <p:cNvPicPr>
+              <a:picLocks noChangeAspect="1"/>
+            </p:cNvPicPr>
+            <p:nvPr/>
+          </p:nvPicPr>
+          <p:blipFill>
+            <a:blip r:embed="rId2"/>
+            <a:stretch>
+              <a:fillRect/>
+            </a:stretch>
+          </p:blipFill>
+          <p:spPr>
+            <a:xfrm>
+              <a:off x="1268487" y="190918"/>
+              <a:ext cx="6104729" cy="6481187"/>
+            </a:xfrm>
+            <a:prstGeom prst="rect">
+              <a:avLst/>
+            </a:prstGeom>
+          </p:spPr>
+        </p:pic>
+        <p:sp>
+          <p:nvSpPr>
+            <p:cNvPr id="63" name="TextBox 62">
+              <a:extLst>
+                <a:ext uri="{FF2B5EF4-FFF2-40B4-BE49-F238E27FC236}">
+                  <a16:creationId xmlns:a16="http://schemas.microsoft.com/office/drawing/2014/main" id="{E9906064-EE1C-D549-AF10-8D972891800F}"/>
+                </a:ext>
+              </a:extLst>
+            </p:cNvPr>
+            <p:cNvSpPr txBox="1"/>
+            <p:nvPr/>
+          </p:nvSpPr>
+          <p:spPr>
+            <a:xfrm rot="446519">
+              <a:off x="5428025" y="3593382"/>
+              <a:ext cx="1235470" cy="338554"/>
+            </a:xfrm>
+            <a:prstGeom prst="rect">
+              <a:avLst/>
+            </a:prstGeom>
+            <a:noFill/>
+          </p:spPr>
+          <p:txBody>
+            <a:bodyPr wrap="square" rtlCol="0">
+              <a:spAutoFit/>
+            </a:bodyPr>
+            <a:lstStyle/>
+            <a:p>
+              <a:r>
+                <a:rPr lang="en-US" sz="1600" b="1" dirty="0" err="1">
+                  <a:latin typeface="SimSong" panose="02020300000000000000" pitchFamily="18" charset="-122"/>
+                  <a:ea typeface="SimSong" panose="02020300000000000000" pitchFamily="18" charset="-122"/>
+                </a:rPr>
+                <a:t>中央指令</a:t>
+              </a:r>
+              <a:endParaRPr lang="en-US" sz="1600" b="1" dirty="0">
+                <a:latin typeface="SimSong" panose="02020300000000000000" pitchFamily="18" charset="-122"/>
+                <a:ea typeface="SimSong" panose="02020300000000000000" pitchFamily="18" charset="-122"/>
+              </a:endParaRPr>
+            </a:p>
+          </p:txBody>
+        </p:sp>
+        <p:sp>
+          <p:nvSpPr>
+            <p:cNvPr id="64" name="TextBox 63">
+              <a:extLst>
+                <a:ext uri="{FF2B5EF4-FFF2-40B4-BE49-F238E27FC236}">
+                  <a16:creationId xmlns:a16="http://schemas.microsoft.com/office/drawing/2014/main" id="{D22052C2-D0AB-6F49-8F55-E37366034A76}"/>
+                </a:ext>
+              </a:extLst>
+            </p:cNvPr>
+            <p:cNvSpPr txBox="1"/>
+            <p:nvPr/>
+          </p:nvSpPr>
+          <p:spPr>
+            <a:xfrm rot="16200000">
+              <a:off x="3872393" y="5014838"/>
+              <a:ext cx="1235470" cy="338554"/>
+            </a:xfrm>
+            <a:prstGeom prst="rect">
+              <a:avLst/>
+            </a:prstGeom>
+            <a:noFill/>
+          </p:spPr>
+          <p:txBody>
+            <a:bodyPr wrap="square" rtlCol="0">
+              <a:spAutoFit/>
+            </a:bodyPr>
+            <a:lstStyle/>
+            <a:p>
+              <a:r>
+                <a:rPr lang="en-US" sz="1600" b="1" dirty="0" err="1">
+                  <a:latin typeface="SimSong" panose="02020300000000000000" pitchFamily="18" charset="-122"/>
+                  <a:ea typeface="SimSong" panose="02020300000000000000" pitchFamily="18" charset="-122"/>
+                </a:rPr>
+                <a:t>权威话语</a:t>
+              </a:r>
+              <a:endParaRPr lang="en-US" sz="1600" b="1" dirty="0">
+                <a:latin typeface="SimSong" panose="02020300000000000000" pitchFamily="18" charset="-122"/>
+                <a:ea typeface="SimSong" panose="02020300000000000000" pitchFamily="18" charset="-122"/>
+              </a:endParaRPr>
+            </a:p>
+          </p:txBody>
+        </p:sp>
+        <p:sp>
+          <p:nvSpPr>
+            <p:cNvPr id="65" name="TextBox 64">
+              <a:extLst>
+                <a:ext uri="{FF2B5EF4-FFF2-40B4-BE49-F238E27FC236}">
+                  <a16:creationId xmlns:a16="http://schemas.microsoft.com/office/drawing/2014/main" id="{AF83035A-2770-7345-90FA-4639255C2811}"/>
+                </a:ext>
+              </a:extLst>
+            </p:cNvPr>
+            <p:cNvSpPr txBox="1"/>
+            <p:nvPr/>
+          </p:nvSpPr>
+          <p:spPr>
+            <a:xfrm rot="19113006">
+              <a:off x="3293693" y="3790898"/>
+              <a:ext cx="1235470" cy="338554"/>
+            </a:xfrm>
+            <a:prstGeom prst="rect">
+              <a:avLst/>
+            </a:prstGeom>
+            <a:noFill/>
+          </p:spPr>
+          <p:txBody>
+            <a:bodyPr wrap="square" rtlCol="0">
+              <a:spAutoFit/>
+            </a:bodyPr>
+            <a:lstStyle/>
+            <a:p>
+              <a:r>
+                <a:rPr lang="en-US" sz="1600" b="1" dirty="0" err="1">
+                  <a:latin typeface="SimSong" panose="02020300000000000000" pitchFamily="18" charset="-122"/>
+                  <a:ea typeface="SimSong" panose="02020300000000000000" pitchFamily="18" charset="-122"/>
+                </a:rPr>
+                <a:t>地方灵活性</a:t>
+              </a:r>
+              <a:endParaRPr lang="en-US" sz="1600" b="1" dirty="0">
+                <a:latin typeface="SimSong" panose="02020300000000000000" pitchFamily="18" charset="-122"/>
+                <a:ea typeface="SimSong" panose="02020300000000000000" pitchFamily="18" charset="-122"/>
+              </a:endParaRPr>
+            </a:p>
+          </p:txBody>
+        </p:sp>
+      </p:grpSp>
+      <p:sp>
+        <p:nvSpPr>
+          <p:cNvPr id="66" name="TextBox 65">
+            <a:extLst>
+              <a:ext uri="{FF2B5EF4-FFF2-40B4-BE49-F238E27FC236}">
+                <a16:creationId xmlns:a16="http://schemas.microsoft.com/office/drawing/2014/main" id="{C9E5BAE6-80EB-8942-89C5-235B605BF2DE}"/>
               </a:ext>
             </a:extLst>
           </p:cNvPr>
@@ -6580,9 +6727,9 @@
           <p:nvPr/>
         </p:nvSpPr>
         <p:spPr>
-          <a:xfrm rot="446519">
-            <a:off x="5428025" y="3593382"/>
-            <a:ext cx="1235470" cy="338554"/>
+          <a:xfrm>
+            <a:off x="7811781" y="3175345"/>
+            <a:ext cx="4064130" cy="1569660"/>
           </a:xfrm>
           <a:prstGeom prst="rect">
             <a:avLst/>
@@ -6596,132 +6743,6 @@
           <a:lstStyle/>
           <a:p>
             <a:r>
-              <a:rPr lang="en-US" sz="1600" b="1" dirty="0" err="1">
-                <a:latin typeface="SimSong" panose="02020300000000000000" pitchFamily="18" charset="-122"/>
-                <a:ea typeface="SimSong" panose="02020300000000000000" pitchFamily="18" charset="-122"/>
-              </a:rPr>
-              <a:t>中央指令</a:t>
-            </a:r>
-            <a:endParaRPr lang="en-US" sz="1600" b="1" dirty="0">
-              <a:latin typeface="SimSong" panose="02020300000000000000" pitchFamily="18" charset="-122"/>
-              <a:ea typeface="SimSong" panose="02020300000000000000" pitchFamily="18" charset="-122"/>
-            </a:endParaRPr>
-          </a:p>
-        </p:txBody>
-      </p:sp>
-      <p:sp>
-        <p:nvSpPr>
-          <p:cNvPr id="64" name="TextBox 63">
-            <a:extLst>
-              <a:ext uri="{FF2B5EF4-FFF2-40B4-BE49-F238E27FC236}">
-                <a16:creationId xmlns:a16="http://schemas.microsoft.com/office/drawing/2014/main" id="{D22052C2-D0AB-6F49-8F55-E37366034A76}"/>
-              </a:ext>
-            </a:extLst>
-          </p:cNvPr>
-          <p:cNvSpPr txBox="1"/>
-          <p:nvPr/>
-        </p:nvSpPr>
-        <p:spPr>
-          <a:xfrm rot="16200000">
-            <a:off x="3872393" y="5014838"/>
-            <a:ext cx="1235470" cy="338554"/>
-          </a:xfrm>
-          <a:prstGeom prst="rect">
-            <a:avLst/>
-          </a:prstGeom>
-          <a:noFill/>
-        </p:spPr>
-        <p:txBody>
-          <a:bodyPr wrap="square" rtlCol="0">
-            <a:spAutoFit/>
-          </a:bodyPr>
-          <a:lstStyle/>
-          <a:p>
-            <a:r>
-              <a:rPr lang="en-US" sz="1600" b="1" dirty="0" err="1">
-                <a:latin typeface="SimSong" panose="02020300000000000000" pitchFamily="18" charset="-122"/>
-                <a:ea typeface="SimSong" panose="02020300000000000000" pitchFamily="18" charset="-122"/>
-              </a:rPr>
-              <a:t>权威话语</a:t>
-            </a:r>
-            <a:endParaRPr lang="en-US" sz="1600" b="1" dirty="0">
-              <a:latin typeface="SimSong" panose="02020300000000000000" pitchFamily="18" charset="-122"/>
-              <a:ea typeface="SimSong" panose="02020300000000000000" pitchFamily="18" charset="-122"/>
-            </a:endParaRPr>
-          </a:p>
-        </p:txBody>
-      </p:sp>
-      <p:sp>
-        <p:nvSpPr>
-          <p:cNvPr id="65" name="TextBox 64">
-            <a:extLst>
-              <a:ext uri="{FF2B5EF4-FFF2-40B4-BE49-F238E27FC236}">
-                <a16:creationId xmlns:a16="http://schemas.microsoft.com/office/drawing/2014/main" id="{AF83035A-2770-7345-90FA-4639255C2811}"/>
-              </a:ext>
-            </a:extLst>
-          </p:cNvPr>
-          <p:cNvSpPr txBox="1"/>
-          <p:nvPr/>
-        </p:nvSpPr>
-        <p:spPr>
-          <a:xfrm rot="19113006">
-            <a:off x="3293693" y="3790898"/>
-            <a:ext cx="1235470" cy="338554"/>
-          </a:xfrm>
-          <a:prstGeom prst="rect">
-            <a:avLst/>
-          </a:prstGeom>
-          <a:noFill/>
-        </p:spPr>
-        <p:txBody>
-          <a:bodyPr wrap="square" rtlCol="0">
-            <a:spAutoFit/>
-          </a:bodyPr>
-          <a:lstStyle/>
-          <a:p>
-            <a:r>
-              <a:rPr lang="en-US" sz="1600" b="1" dirty="0" err="1">
-                <a:latin typeface="SimSong" panose="02020300000000000000" pitchFamily="18" charset="-122"/>
-                <a:ea typeface="SimSong" panose="02020300000000000000" pitchFamily="18" charset="-122"/>
-              </a:rPr>
-              <a:t>地方灵活性</a:t>
-            </a:r>
-            <a:endParaRPr lang="en-US" sz="1600" b="1" dirty="0">
-              <a:latin typeface="SimSong" panose="02020300000000000000" pitchFamily="18" charset="-122"/>
-              <a:ea typeface="SimSong" panose="02020300000000000000" pitchFamily="18" charset="-122"/>
-            </a:endParaRPr>
-          </a:p>
-        </p:txBody>
-      </p:sp>
-      <p:sp>
-        <p:nvSpPr>
-          <p:cNvPr id="66" name="TextBox 65">
-            <a:extLst>
-              <a:ext uri="{FF2B5EF4-FFF2-40B4-BE49-F238E27FC236}">
-                <a16:creationId xmlns:a16="http://schemas.microsoft.com/office/drawing/2014/main" id="{C9E5BAE6-80EB-8942-89C5-235B605BF2DE}"/>
-              </a:ext>
-            </a:extLst>
-          </p:cNvPr>
-          <p:cNvSpPr txBox="1"/>
-          <p:nvPr/>
-        </p:nvSpPr>
-        <p:spPr>
-          <a:xfrm>
-            <a:off x="8127870" y="3147378"/>
-            <a:ext cx="4064130" cy="2123658"/>
-          </a:xfrm>
-          <a:prstGeom prst="rect">
-            <a:avLst/>
-          </a:prstGeom>
-          <a:noFill/>
-        </p:spPr>
-        <p:txBody>
-          <a:bodyPr wrap="square" rtlCol="0">
-            <a:spAutoFit/>
-          </a:bodyPr>
-          <a:lstStyle/>
-          <a:p>
-            <a:r>
               <a:rPr lang="en-US" sz="1200" b="1" dirty="0">
                 <a:latin typeface="SimSong" panose="02020300000000000000" pitchFamily="18" charset="-122"/>
                 <a:ea typeface="SimSong" panose="02020300000000000000" pitchFamily="18" charset="-122"/>
@@ -6733,7 +6754,7 @@
                 <a:latin typeface="SimSong" panose="02020300000000000000" pitchFamily="18" charset="-122"/>
                 <a:ea typeface="SimSong" panose="02020300000000000000" pitchFamily="18" charset="-122"/>
               </a:rPr>
-              <a:t>   中央指令强、地方灵活性强、权威话语强：桂林</a:t>
+              <a:t>   中央指令强、地方主动性强、权威话语强：逻辑缺失</a:t>
             </a:r>
             <a:endParaRPr lang="en-US" altLang="zh-CN" sz="1200" b="1" dirty="0">
               <a:latin typeface="SimSong" panose="02020300000000000000" pitchFamily="18" charset="-122"/>
@@ -6753,7 +6774,7 @@
                 <a:latin typeface="SimSong" panose="02020300000000000000" pitchFamily="18" charset="-122"/>
                 <a:ea typeface="SimSong" panose="02020300000000000000" pitchFamily="18" charset="-122"/>
               </a:rPr>
-              <a:t>  中央指令弱、地方灵活性强、权威话语强：苏州</a:t>
+              <a:t>  中央指令弱、地方灵活性强、权威话语强：江苏扬州</a:t>
             </a:r>
             <a:endParaRPr lang="en-US" altLang="zh-CN" sz="1200" b="1" dirty="0">
               <a:latin typeface="SimSong" panose="02020300000000000000" pitchFamily="18" charset="-122"/>
@@ -6773,7 +6794,7 @@
                 <a:latin typeface="SimSong" panose="02020300000000000000" pitchFamily="18" charset="-122"/>
                 <a:ea typeface="SimSong" panose="02020300000000000000" pitchFamily="18" charset="-122"/>
               </a:rPr>
-              <a:t> 中央指令弱、地方灵活性弱、权威话语强：内乡</a:t>
+              <a:t> 中央指令弱、地方灵活性弱、权威话语强：河南内乡</a:t>
             </a:r>
             <a:endParaRPr lang="en-US" altLang="zh-CN" sz="1200" b="1" dirty="0">
               <a:latin typeface="SimSong" panose="02020300000000000000" pitchFamily="18" charset="-122"/>
@@ -6793,7 +6814,7 @@
                 <a:latin typeface="SimSong" panose="02020300000000000000" pitchFamily="18" charset="-122"/>
                 <a:ea typeface="SimSong" panose="02020300000000000000" pitchFamily="18" charset="-122"/>
               </a:rPr>
-              <a:t>  中央指令强、地方灵活性弱、权威话语强：郴州</a:t>
+              <a:t>  中央指令强、地方灵活性弱、权威话语强：广西桂林</a:t>
             </a:r>
             <a:endParaRPr lang="en-US" altLang="zh-CN" sz="1200" b="1" dirty="0">
               <a:latin typeface="SimSong" panose="02020300000000000000" pitchFamily="18" charset="-122"/>
@@ -6813,7 +6834,7 @@
                 <a:latin typeface="SimSong" panose="02020300000000000000" pitchFamily="18" charset="-122"/>
                 <a:ea typeface="SimSong" panose="02020300000000000000" pitchFamily="18" charset="-122"/>
               </a:rPr>
-              <a:t>   中央指令强、地方灵活性强、权威话语弱：深圳</a:t>
+              <a:t>   中央指令强、地方灵活性强、权威话语弱：广东深圳</a:t>
             </a:r>
             <a:endParaRPr lang="en-US" altLang="zh-CN" sz="1200" b="1" dirty="0">
               <a:latin typeface="SimSong" panose="02020300000000000000" pitchFamily="18" charset="-122"/>
@@ -6853,7 +6874,7 @@
                 <a:latin typeface="SimSong" panose="02020300000000000000" pitchFamily="18" charset="-122"/>
                 <a:ea typeface="SimSong" panose="02020300000000000000" pitchFamily="18" charset="-122"/>
               </a:rPr>
-              <a:t> 中央指令弱、地方灵活性强、权威话语弱：很多地方</a:t>
+              <a:t> 中央指令弱、地方灵活性弱、权威话语弱：若干地区</a:t>
             </a:r>
             <a:endParaRPr lang="en-US" altLang="zh-CN" sz="1200" b="1" dirty="0">
               <a:latin typeface="SimSong" panose="02020300000000000000" pitchFamily="18" charset="-122"/>
@@ -6873,27 +6894,9 @@
                 <a:latin typeface="SimSong" panose="02020300000000000000" pitchFamily="18" charset="-122"/>
                 <a:ea typeface="SimSong" panose="02020300000000000000" pitchFamily="18" charset="-122"/>
               </a:rPr>
-              <a:t>中央指令强、地方灵活性弱、权威话语弱：承德</a:t>
+              <a:t>中央指令强、地方灵活性弱、权威话语弱：山西太原</a:t>
             </a:r>
             <a:endParaRPr lang="en-US" altLang="zh-CN" sz="1200" b="1" dirty="0">
-              <a:latin typeface="SimSong" panose="02020300000000000000" pitchFamily="18" charset="-122"/>
-              <a:ea typeface="SimSong" panose="02020300000000000000" pitchFamily="18" charset="-122"/>
-            </a:endParaRPr>
-          </a:p>
-          <a:p>
-            <a:endParaRPr lang="en-US" altLang="zh-CN" sz="1200" b="1" dirty="0">
-              <a:latin typeface="SimSong" panose="02020300000000000000" pitchFamily="18" charset="-122"/>
-              <a:ea typeface="SimSong" panose="02020300000000000000" pitchFamily="18" charset="-122"/>
-            </a:endParaRPr>
-          </a:p>
-          <a:p>
-            <a:endParaRPr lang="en-US" altLang="zh-CN" sz="1200" b="1" dirty="0">
-              <a:latin typeface="SimSong" panose="02020300000000000000" pitchFamily="18" charset="-122"/>
-              <a:ea typeface="SimSong" panose="02020300000000000000" pitchFamily="18" charset="-122"/>
-            </a:endParaRPr>
-          </a:p>
-          <a:p>
-            <a:endParaRPr lang="en-US" sz="1200" b="1" dirty="0">
               <a:latin typeface="SimSong" panose="02020300000000000000" pitchFamily="18" charset="-122"/>
               <a:ea typeface="SimSong" panose="02020300000000000000" pitchFamily="18" charset="-122"/>
             </a:endParaRPr>
